--- a/modules/PPT/Depletion.pptx
+++ b/modules/PPT/Depletion.pptx
@@ -13,8 +13,8 @@
     <p:sldId id="325" r:id="rId4"/>
     <p:sldId id="326" r:id="rId5"/>
     <p:sldId id="330" r:id="rId6"/>
-    <p:sldId id="332" r:id="rId7"/>
-    <p:sldId id="334" r:id="rId8"/>
+    <p:sldId id="334" r:id="rId7"/>
+    <p:sldId id="332" r:id="rId8"/>
     <p:sldId id="333" r:id="rId9"/>
   </p:sldIdLst>
   <p:sldSz cx="9144000" cy="6858000" type="screen4x3"/>
@@ -5335,7 +5335,7 @@
           <a:p>
             <a:r>
               <a:rPr lang="en-US" dirty="0" smtClean="0"/>
-              <a:t>Leslie Model Assumptions</a:t>
+              <a:t>Proportion Caught</a:t>
             </a:r>
             <a:endParaRPr lang="en-US" dirty="0"/>
           </a:p>
@@ -5343,12 +5343,12 @@
       </p:sp>
       <p:sp>
         <p:nvSpPr>
-          <p:cNvPr id="4" name="Footer Placeholder 3"/>
-          <p:cNvSpPr>
-            <a:spLocks noGrp="1"/>
-          </p:cNvSpPr>
-          <p:nvPr>
-            <p:ph type="ftr" sz="quarter" idx="10"/>
+          <p:cNvPr id="3" name="Content Placeholder 2"/>
+          <p:cNvSpPr>
+            <a:spLocks noGrp="1"/>
+          </p:cNvSpPr>
+          <p:nvPr>
+            <p:ph idx="1"/>
           </p:nvPr>
         </p:nvSpPr>
         <p:spPr/>
@@ -5357,21 +5357,74 @@
           <a:lstStyle/>
           <a:p>
             <a:r>
-              <a:rPr lang="en-US" smtClean="0"/>
-              <a:t>Abundance</a:t>
-            </a:r>
-            <a:endParaRPr lang="en-US"/>
-          </a:p>
-        </p:txBody>
-      </p:sp>
-      <p:sp>
-        <p:nvSpPr>
-          <p:cNvPr id="5" name="Slide Number Placeholder 4"/>
-          <p:cNvSpPr>
-            <a:spLocks noGrp="1"/>
-          </p:cNvSpPr>
-          <p:nvPr>
-            <p:ph type="sldNum" sz="quarter" idx="11"/>
+              <a:rPr lang="en-US" dirty="0" smtClean="0"/>
+              <a:t>As noted in CPUE module, q is proportion of population caught with one unit of effort but only if effort is small (and then it is only an approximation).</a:t>
+            </a:r>
+          </a:p>
+          <a:p>
+            <a:endParaRPr lang="en-US" dirty="0"/>
+          </a:p>
+          <a:p>
+            <a:r>
+              <a:rPr lang="en-US" dirty="0" smtClean="0"/>
+              <a:t>q is an instantaneous rate that must be converted to an actual rate with 1-e</a:t>
+            </a:r>
+            <a:r>
+              <a:rPr lang="en-US" baseline="30000" dirty="0" smtClean="0"/>
+              <a:t>-q</a:t>
+            </a:r>
+          </a:p>
+          <a:p>
+            <a:pPr lvl="1"/>
+            <a:r>
+              <a:rPr lang="en-US" dirty="0" smtClean="0"/>
+              <a:t>If q=0.02 </a:t>
+            </a:r>
+            <a:r>
+              <a:rPr lang="en-US" dirty="0" smtClean="0">
+                <a:sym typeface="Wingdings" panose="05000000000000000000" pitchFamily="2" charset="2"/>
+              </a:rPr>
+              <a:t>then 1-e</a:t>
+            </a:r>
+            <a:r>
+              <a:rPr lang="en-US" baseline="30000" dirty="0" smtClean="0">
+                <a:sym typeface="Wingdings" panose="05000000000000000000" pitchFamily="2" charset="2"/>
+              </a:rPr>
+              <a:t>-0.02</a:t>
+            </a:r>
+            <a:r>
+              <a:rPr lang="en-US" dirty="0" smtClean="0">
+                <a:sym typeface="Wingdings" panose="05000000000000000000" pitchFamily="2" charset="2"/>
+              </a:rPr>
+              <a:t> = 0.0198</a:t>
+            </a:r>
+          </a:p>
+          <a:p>
+            <a:pPr lvl="1"/>
+            <a:r>
+              <a:rPr lang="en-US" dirty="0" smtClean="0"/>
+              <a:t>If q=1.00 then 1-e</a:t>
+            </a:r>
+            <a:r>
+              <a:rPr lang="en-US" baseline="30000" dirty="0" smtClean="0"/>
+              <a:t>-1.00</a:t>
+            </a:r>
+            <a:r>
+              <a:rPr lang="en-US" dirty="0" smtClean="0"/>
+              <a:t> = 0.0632</a:t>
+            </a:r>
+            <a:endParaRPr lang="en-US" dirty="0"/>
+          </a:p>
+        </p:txBody>
+      </p:sp>
+      <p:sp>
+        <p:nvSpPr>
+          <p:cNvPr id="4" name="Footer Placeholder 3"/>
+          <p:cNvSpPr>
+            <a:spLocks noGrp="1"/>
+          </p:cNvSpPr>
+          <p:nvPr>
+            <p:ph type="ftr" sz="quarter" idx="10"/>
           </p:nvPr>
         </p:nvSpPr>
         <p:spPr/>
@@ -5379,10 +5432,277 @@
           <a:bodyPr/>
           <a:lstStyle/>
           <a:p>
-            <a:fld id="{1885BB51-0796-4632-BDB9-6CE403630838}" type="slidenum">
+            <a:r>
+              <a:rPr lang="en-US" smtClean="0"/>
+              <a:t>Abundance</a:t>
+            </a:r>
+            <a:endParaRPr lang="en-US"/>
+          </a:p>
+        </p:txBody>
+      </p:sp>
+      <p:sp>
+        <p:nvSpPr>
+          <p:cNvPr id="5" name="Slide Number Placeholder 4"/>
+          <p:cNvSpPr>
+            <a:spLocks noGrp="1"/>
+          </p:cNvSpPr>
+          <p:nvPr>
+            <p:ph type="sldNum" sz="quarter" idx="11"/>
+          </p:nvPr>
+        </p:nvSpPr>
+        <p:spPr/>
+        <p:txBody>
+          <a:bodyPr/>
+          <a:lstStyle/>
+          <a:p>
+            <a:fld id="{8B8D0034-34A8-4F4F-AD0F-588093AE7929}" type="slidenum">
               <a:rPr lang="en-US" smtClean="0"/>
               <a:pPr/>
               <a:t>6</a:t>
+            </a:fld>
+            <a:endParaRPr lang="en-US"/>
+          </a:p>
+        </p:txBody>
+      </p:sp>
+    </p:spTree>
+    <p:extLst>
+      <p:ext uri="{BB962C8B-B14F-4D97-AF65-F5344CB8AC3E}">
+        <p14:creationId xmlns:p14="http://schemas.microsoft.com/office/powerpoint/2010/main" val="780925795"/>
+      </p:ext>
+    </p:extLst>
+  </p:cSld>
+  <p:clrMapOvr>
+    <a:masterClrMapping/>
+  </p:clrMapOvr>
+  <p:timing>
+    <p:tnLst>
+      <p:par>
+        <p:cTn id="1" dur="indefinite" restart="never" nodeType="tmRoot">
+          <p:childTnLst>
+            <p:seq concurrent="1" nextAc="seek">
+              <p:cTn id="2" dur="indefinite" nodeType="mainSeq">
+                <p:childTnLst>
+                  <p:par>
+                    <p:cTn id="3" fill="hold">
+                      <p:stCondLst>
+                        <p:cond delay="indefinite"/>
+                      </p:stCondLst>
+                      <p:childTnLst>
+                        <p:par>
+                          <p:cTn id="4" fill="hold">
+                            <p:stCondLst>
+                              <p:cond delay="0"/>
+                            </p:stCondLst>
+                            <p:childTnLst>
+                              <p:par>
+                                <p:cTn id="5" presetID="1" presetClass="entr" presetSubtype="0" fill="hold" grpId="0" nodeType="clickEffect">
+                                  <p:stCondLst>
+                                    <p:cond delay="0"/>
+                                  </p:stCondLst>
+                                  <p:childTnLst>
+                                    <p:set>
+                                      <p:cBhvr>
+                                        <p:cTn id="6" dur="1" fill="hold">
+                                          <p:stCondLst>
+                                            <p:cond delay="0"/>
+                                          </p:stCondLst>
+                                        </p:cTn>
+                                        <p:tgtEl>
+                                          <p:spTgt spid="3">
+                                            <p:txEl>
+                                              <p:pRg st="2" end="2"/>
+                                            </p:txEl>
+                                          </p:spTgt>
+                                        </p:tgtEl>
+                                        <p:attrNameLst>
+                                          <p:attrName>style.visibility</p:attrName>
+                                        </p:attrNameLst>
+                                      </p:cBhvr>
+                                      <p:to>
+                                        <p:strVal val="visible"/>
+                                      </p:to>
+                                    </p:set>
+                                  </p:childTnLst>
+                                </p:cTn>
+                              </p:par>
+                              <p:par>
+                                <p:cTn id="7" presetID="1" presetClass="entr" presetSubtype="0" fill="hold" grpId="0" nodeType="withEffect">
+                                  <p:stCondLst>
+                                    <p:cond delay="0"/>
+                                  </p:stCondLst>
+                                  <p:childTnLst>
+                                    <p:set>
+                                      <p:cBhvr>
+                                        <p:cTn id="8" dur="1" fill="hold">
+                                          <p:stCondLst>
+                                            <p:cond delay="0"/>
+                                          </p:stCondLst>
+                                        </p:cTn>
+                                        <p:tgtEl>
+                                          <p:spTgt spid="3">
+                                            <p:txEl>
+                                              <p:pRg st="3" end="3"/>
+                                            </p:txEl>
+                                          </p:spTgt>
+                                        </p:tgtEl>
+                                        <p:attrNameLst>
+                                          <p:attrName>style.visibility</p:attrName>
+                                        </p:attrNameLst>
+                                      </p:cBhvr>
+                                      <p:to>
+                                        <p:strVal val="visible"/>
+                                      </p:to>
+                                    </p:set>
+                                  </p:childTnLst>
+                                </p:cTn>
+                              </p:par>
+                              <p:par>
+                                <p:cTn id="9" presetID="1" presetClass="entr" presetSubtype="0" fill="hold" grpId="0" nodeType="withEffect">
+                                  <p:stCondLst>
+                                    <p:cond delay="0"/>
+                                  </p:stCondLst>
+                                  <p:childTnLst>
+                                    <p:set>
+                                      <p:cBhvr>
+                                        <p:cTn id="10" dur="1" fill="hold">
+                                          <p:stCondLst>
+                                            <p:cond delay="0"/>
+                                          </p:stCondLst>
+                                        </p:cTn>
+                                        <p:tgtEl>
+                                          <p:spTgt spid="3">
+                                            <p:txEl>
+                                              <p:pRg st="4" end="4"/>
+                                            </p:txEl>
+                                          </p:spTgt>
+                                        </p:tgtEl>
+                                        <p:attrNameLst>
+                                          <p:attrName>style.visibility</p:attrName>
+                                        </p:attrNameLst>
+                                      </p:cBhvr>
+                                      <p:to>
+                                        <p:strVal val="visible"/>
+                                      </p:to>
+                                    </p:set>
+                                  </p:childTnLst>
+                                </p:cTn>
+                              </p:par>
+                            </p:childTnLst>
+                          </p:cTn>
+                        </p:par>
+                      </p:childTnLst>
+                    </p:cTn>
+                  </p:par>
+                </p:childTnLst>
+              </p:cTn>
+              <p:prevCondLst>
+                <p:cond evt="onPrev" delay="0">
+                  <p:tgtEl>
+                    <p:sldTgt/>
+                  </p:tgtEl>
+                </p:cond>
+              </p:prevCondLst>
+              <p:nextCondLst>
+                <p:cond evt="onNext" delay="0">
+                  <p:tgtEl>
+                    <p:sldTgt/>
+                  </p:tgtEl>
+                </p:cond>
+              </p:nextCondLst>
+            </p:seq>
+          </p:childTnLst>
+        </p:cTn>
+      </p:par>
+    </p:tnLst>
+    <p:bldLst>
+      <p:bldP spid="3" grpId="0" uiExpand="1" build="p"/>
+    </p:bldLst>
+  </p:timing>
+</p:sld>
+</file>
+
+<file path=ppt/slides/slide7.xml><?xml version="1.0" encoding="utf-8"?>
+<p:sld xmlns:a="http://schemas.openxmlformats.org/drawingml/2006/main" xmlns:r="http://schemas.openxmlformats.org/officeDocument/2006/relationships" xmlns:p="http://schemas.openxmlformats.org/presentationml/2006/main">
+  <p:cSld>
+    <p:spTree>
+      <p:nvGrpSpPr>
+        <p:cNvPr id="1" name=""/>
+        <p:cNvGrpSpPr/>
+        <p:nvPr/>
+      </p:nvGrpSpPr>
+      <p:grpSpPr>
+        <a:xfrm>
+          <a:off x="0" y="0"/>
+          <a:ext cx="0" cy="0"/>
+          <a:chOff x="0" y="0"/>
+          <a:chExt cx="0" cy="0"/>
+        </a:xfrm>
+      </p:grpSpPr>
+      <p:sp>
+        <p:nvSpPr>
+          <p:cNvPr id="2" name="Title 1"/>
+          <p:cNvSpPr>
+            <a:spLocks noGrp="1"/>
+          </p:cNvSpPr>
+          <p:nvPr>
+            <p:ph type="title"/>
+          </p:nvPr>
+        </p:nvSpPr>
+        <p:spPr/>
+        <p:txBody>
+          <a:bodyPr/>
+          <a:lstStyle/>
+          <a:p>
+            <a:r>
+              <a:rPr lang="en-US" dirty="0" smtClean="0"/>
+              <a:t>Leslie Model Assumptions</a:t>
+            </a:r>
+            <a:endParaRPr lang="en-US" dirty="0"/>
+          </a:p>
+        </p:txBody>
+      </p:sp>
+      <p:sp>
+        <p:nvSpPr>
+          <p:cNvPr id="4" name="Footer Placeholder 3"/>
+          <p:cNvSpPr>
+            <a:spLocks noGrp="1"/>
+          </p:cNvSpPr>
+          <p:nvPr>
+            <p:ph type="ftr" sz="quarter" idx="10"/>
+          </p:nvPr>
+        </p:nvSpPr>
+        <p:spPr/>
+        <p:txBody>
+          <a:bodyPr/>
+          <a:lstStyle/>
+          <a:p>
+            <a:r>
+              <a:rPr lang="en-US" smtClean="0"/>
+              <a:t>Abundance</a:t>
+            </a:r>
+            <a:endParaRPr lang="en-US"/>
+          </a:p>
+        </p:txBody>
+      </p:sp>
+      <p:sp>
+        <p:nvSpPr>
+          <p:cNvPr id="5" name="Slide Number Placeholder 4"/>
+          <p:cNvSpPr>
+            <a:spLocks noGrp="1"/>
+          </p:cNvSpPr>
+          <p:nvPr>
+            <p:ph type="sldNum" sz="quarter" idx="11"/>
+          </p:nvPr>
+        </p:nvSpPr>
+        <p:spPr/>
+        <p:txBody>
+          <a:bodyPr/>
+          <a:lstStyle/>
+          <a:p>
+            <a:fld id="{1885BB51-0796-4632-BDB9-6CE403630838}" type="slidenum">
+              <a:rPr lang="en-US" smtClean="0"/>
+              <a:pPr/>
+              <a:t>7</a:t>
             </a:fld>
             <a:endParaRPr lang="en-US"/>
           </a:p>
@@ -5743,233 +6063,6 @@
     <p:bldLst>
       <p:bldP spid="7" grpId="0" build="p"/>
     </p:bldLst>
-  </p:timing>
-</p:sld>
-</file>
-
-<file path=ppt/slides/slide7.xml><?xml version="1.0" encoding="utf-8"?>
-<p:sld xmlns:a="http://schemas.openxmlformats.org/drawingml/2006/main" xmlns:r="http://schemas.openxmlformats.org/officeDocument/2006/relationships" xmlns:p="http://schemas.openxmlformats.org/presentationml/2006/main">
-  <p:cSld>
-    <p:spTree>
-      <p:nvGrpSpPr>
-        <p:cNvPr id="1" name=""/>
-        <p:cNvGrpSpPr/>
-        <p:nvPr/>
-      </p:nvGrpSpPr>
-      <p:grpSpPr>
-        <a:xfrm>
-          <a:off x="0" y="0"/>
-          <a:ext cx="0" cy="0"/>
-          <a:chOff x="0" y="0"/>
-          <a:chExt cx="0" cy="0"/>
-        </a:xfrm>
-      </p:grpSpPr>
-      <p:sp>
-        <p:nvSpPr>
-          <p:cNvPr id="2" name="Title 1"/>
-          <p:cNvSpPr>
-            <a:spLocks noGrp="1"/>
-          </p:cNvSpPr>
-          <p:nvPr>
-            <p:ph type="title"/>
-          </p:nvPr>
-        </p:nvSpPr>
-        <p:spPr/>
-        <p:txBody>
-          <a:bodyPr/>
-          <a:lstStyle/>
-          <a:p>
-            <a:r>
-              <a:rPr lang="en-US" dirty="0" smtClean="0"/>
-              <a:t>Leslie Model HO</a:t>
-            </a:r>
-            <a:endParaRPr lang="en-US" dirty="0"/>
-          </a:p>
-        </p:txBody>
-      </p:sp>
-      <p:sp>
-        <p:nvSpPr>
-          <p:cNvPr id="3" name="Content Placeholder 2"/>
-          <p:cNvSpPr>
-            <a:spLocks noGrp="1"/>
-          </p:cNvSpPr>
-          <p:nvPr>
-            <p:ph idx="1"/>
-          </p:nvPr>
-        </p:nvSpPr>
-        <p:spPr/>
-        <p:txBody>
-          <a:bodyPr/>
-          <a:lstStyle/>
-          <a:p>
-            <a:r>
-              <a:rPr lang="en-US" dirty="0"/>
-              <a:t>Examine HO</a:t>
-            </a:r>
-          </a:p>
-          <a:p>
-            <a:pPr lvl="1"/>
-            <a:r>
-              <a:rPr lang="en-US" b="1" dirty="0">
-                <a:solidFill>
-                  <a:srgbClr val="FF0000"/>
-                </a:solidFill>
-                <a:latin typeface="Courier New" pitchFamily="49" charset="0"/>
-                <a:cs typeface="Courier New" pitchFamily="49" charset="0"/>
-              </a:rPr>
-              <a:t>depletion()</a:t>
-            </a:r>
-          </a:p>
-          <a:p>
-            <a:pPr lvl="1"/>
-            <a:r>
-              <a:rPr lang="en-US" b="1" dirty="0">
-                <a:solidFill>
-                  <a:srgbClr val="FF0000"/>
-                </a:solidFill>
-                <a:latin typeface="Courier New" pitchFamily="49" charset="0"/>
-                <a:cs typeface="Courier New" pitchFamily="49" charset="0"/>
-              </a:rPr>
-              <a:t>plot()</a:t>
-            </a:r>
-          </a:p>
-          <a:p>
-            <a:pPr lvl="1"/>
-            <a:r>
-              <a:rPr lang="en-US" b="1" dirty="0" err="1" smtClean="0">
-                <a:solidFill>
-                  <a:srgbClr val="FF0000"/>
-                </a:solidFill>
-                <a:latin typeface="Courier New" pitchFamily="49" charset="0"/>
-                <a:cs typeface="Courier New" pitchFamily="49" charset="0"/>
-              </a:rPr>
-              <a:t>coef</a:t>
-            </a:r>
-            <a:r>
-              <a:rPr lang="en-US" b="1" dirty="0" smtClean="0">
-                <a:solidFill>
-                  <a:srgbClr val="FF0000"/>
-                </a:solidFill>
-                <a:latin typeface="Courier New" pitchFamily="49" charset="0"/>
-                <a:cs typeface="Courier New" pitchFamily="49" charset="0"/>
-              </a:rPr>
-              <a:t>()</a:t>
-            </a:r>
-          </a:p>
-          <a:p>
-            <a:pPr lvl="1"/>
-            <a:r>
-              <a:rPr lang="en-US" b="1" dirty="0" smtClean="0">
-                <a:solidFill>
-                  <a:srgbClr val="FF0000"/>
-                </a:solidFill>
-                <a:latin typeface="Courier New" pitchFamily="49" charset="0"/>
-                <a:cs typeface="Courier New" pitchFamily="49" charset="0"/>
-              </a:rPr>
-              <a:t>summary</a:t>
-            </a:r>
-            <a:r>
-              <a:rPr lang="en-US" b="1" dirty="0">
-                <a:solidFill>
-                  <a:srgbClr val="FF0000"/>
-                </a:solidFill>
-                <a:latin typeface="Courier New" pitchFamily="49" charset="0"/>
-                <a:cs typeface="Courier New" pitchFamily="49" charset="0"/>
-              </a:rPr>
-              <a:t>()</a:t>
-            </a:r>
-          </a:p>
-          <a:p>
-            <a:pPr lvl="1"/>
-            <a:r>
-              <a:rPr lang="en-US" b="1" dirty="0" err="1">
-                <a:solidFill>
-                  <a:srgbClr val="FF0000"/>
-                </a:solidFill>
-                <a:latin typeface="Courier New" pitchFamily="49" charset="0"/>
-                <a:cs typeface="Courier New" pitchFamily="49" charset="0"/>
-              </a:rPr>
-              <a:t>confint</a:t>
-            </a:r>
-            <a:r>
-              <a:rPr lang="en-US" b="1" dirty="0">
-                <a:solidFill>
-                  <a:srgbClr val="FF0000"/>
-                </a:solidFill>
-                <a:latin typeface="Courier New" pitchFamily="49" charset="0"/>
-                <a:cs typeface="Courier New" pitchFamily="49" charset="0"/>
-              </a:rPr>
-              <a:t>()</a:t>
-            </a:r>
-          </a:p>
-          <a:p>
-            <a:endParaRPr lang="en-US" dirty="0"/>
-          </a:p>
-        </p:txBody>
-      </p:sp>
-      <p:sp>
-        <p:nvSpPr>
-          <p:cNvPr id="4" name="Footer Placeholder 3"/>
-          <p:cNvSpPr>
-            <a:spLocks noGrp="1"/>
-          </p:cNvSpPr>
-          <p:nvPr>
-            <p:ph type="ftr" sz="quarter" idx="10"/>
-          </p:nvPr>
-        </p:nvSpPr>
-        <p:spPr/>
-        <p:txBody>
-          <a:bodyPr/>
-          <a:lstStyle/>
-          <a:p>
-            <a:r>
-              <a:rPr lang="en-US" smtClean="0"/>
-              <a:t>Abundance</a:t>
-            </a:r>
-            <a:endParaRPr lang="en-US"/>
-          </a:p>
-        </p:txBody>
-      </p:sp>
-      <p:sp>
-        <p:nvSpPr>
-          <p:cNvPr id="5" name="Slide Number Placeholder 4"/>
-          <p:cNvSpPr>
-            <a:spLocks noGrp="1"/>
-          </p:cNvSpPr>
-          <p:nvPr>
-            <p:ph type="sldNum" sz="quarter" idx="11"/>
-          </p:nvPr>
-        </p:nvSpPr>
-        <p:spPr/>
-        <p:txBody>
-          <a:bodyPr/>
-          <a:lstStyle/>
-          <a:p>
-            <a:fld id="{8B8D0034-34A8-4F4F-AD0F-588093AE7929}" type="slidenum">
-              <a:rPr lang="en-US" smtClean="0"/>
-              <a:pPr/>
-              <a:t>7</a:t>
-            </a:fld>
-            <a:endParaRPr lang="en-US"/>
-          </a:p>
-        </p:txBody>
-      </p:sp>
-    </p:spTree>
-    <p:extLst>
-      <p:ext uri="{BB962C8B-B14F-4D97-AF65-F5344CB8AC3E}">
-        <p14:creationId xmlns:p14="http://schemas.microsoft.com/office/powerpoint/2010/main" val="2610270270"/>
-      </p:ext>
-    </p:extLst>
-  </p:cSld>
-  <p:clrMapOvr>
-    <a:masterClrMapping/>
-  </p:clrMapOvr>
-  <p:timing>
-    <p:tnLst>
-      <p:par>
-        <p:cTn id="1" dur="indefinite" restart="never" nodeType="tmRoot"/>
-      </p:par>
-    </p:tnLst>
   </p:timing>
 </p:sld>
 </file>

--- a/modules/PPT/Depletion.pptx
+++ b/modules/PPT/Depletion.pptx
@@ -5,7 +5,7 @@
     <p:sldMasterId id="2147483648" r:id="rId1"/>
   </p:sldMasterIdLst>
   <p:notesMasterIdLst>
-    <p:notesMasterId r:id="rId10"/>
+    <p:notesMasterId r:id="rId12"/>
   </p:notesMasterIdLst>
   <p:sldIdLst>
     <p:sldId id="323" r:id="rId2"/>
@@ -14,8 +14,10 @@
     <p:sldId id="326" r:id="rId5"/>
     <p:sldId id="330" r:id="rId6"/>
     <p:sldId id="334" r:id="rId7"/>
-    <p:sldId id="332" r:id="rId8"/>
-    <p:sldId id="333" r:id="rId9"/>
+    <p:sldId id="335" r:id="rId8"/>
+    <p:sldId id="332" r:id="rId9"/>
+    <p:sldId id="333" r:id="rId10"/>
+    <p:sldId id="336" r:id="rId11"/>
   </p:sldIdLst>
   <p:sldSz cx="9144000" cy="6858000" type="screen4x3"/>
   <p:notesSz cx="6858000" cy="9144000"/>
@@ -3772,6 +3774,136 @@
     <p:extLst>
       <p:ext uri="{BB962C8B-B14F-4D97-AF65-F5344CB8AC3E}">
         <p14:creationId xmlns:p14="http://schemas.microsoft.com/office/powerpoint/2010/main" val="1173386501"/>
+      </p:ext>
+    </p:extLst>
+  </p:cSld>
+  <p:clrMapOvr>
+    <a:masterClrMapping/>
+  </p:clrMapOvr>
+  <p:timing>
+    <p:tnLst>
+      <p:par>
+        <p:cTn id="1" dur="indefinite" restart="never" nodeType="tmRoot"/>
+      </p:par>
+    </p:tnLst>
+  </p:timing>
+</p:sld>
+</file>
+
+<file path=ppt/slides/slide10.xml><?xml version="1.0" encoding="utf-8"?>
+<p:sld xmlns:a="http://schemas.openxmlformats.org/drawingml/2006/main" xmlns:r="http://schemas.openxmlformats.org/officeDocument/2006/relationships" xmlns:p="http://schemas.openxmlformats.org/presentationml/2006/main">
+  <p:cSld>
+    <p:spTree>
+      <p:nvGrpSpPr>
+        <p:cNvPr id="1" name=""/>
+        <p:cNvGrpSpPr/>
+        <p:nvPr/>
+      </p:nvGrpSpPr>
+      <p:grpSpPr>
+        <a:xfrm>
+          <a:off x="0" y="0"/>
+          <a:ext cx="0" cy="0"/>
+          <a:chOff x="0" y="0"/>
+          <a:chExt cx="0" cy="0"/>
+        </a:xfrm>
+      </p:grpSpPr>
+      <p:sp>
+        <p:nvSpPr>
+          <p:cNvPr id="2" name="Title 1"/>
+          <p:cNvSpPr>
+            <a:spLocks noGrp="1"/>
+          </p:cNvSpPr>
+          <p:nvPr>
+            <p:ph type="title"/>
+          </p:nvPr>
+        </p:nvSpPr>
+        <p:spPr/>
+        <p:txBody>
+          <a:bodyPr/>
+          <a:lstStyle/>
+          <a:p>
+            <a:r>
+              <a:rPr lang="en-US" dirty="0" smtClean="0"/>
+              <a:t>Class Exercise</a:t>
+            </a:r>
+            <a:endParaRPr lang="en-US" dirty="0"/>
+          </a:p>
+        </p:txBody>
+      </p:sp>
+      <p:sp>
+        <p:nvSpPr>
+          <p:cNvPr id="3" name="Content Placeholder 2"/>
+          <p:cNvSpPr>
+            <a:spLocks noGrp="1"/>
+          </p:cNvSpPr>
+          <p:nvPr>
+            <p:ph idx="1"/>
+          </p:nvPr>
+        </p:nvSpPr>
+        <p:spPr/>
+        <p:txBody>
+          <a:bodyPr/>
+          <a:lstStyle/>
+          <a:p>
+            <a:r>
+              <a:rPr lang="en-US" dirty="0" smtClean="0"/>
+              <a:t>Do Second Question</a:t>
+            </a:r>
+            <a:endParaRPr lang="en-US" dirty="0"/>
+          </a:p>
+        </p:txBody>
+      </p:sp>
+      <p:sp>
+        <p:nvSpPr>
+          <p:cNvPr id="4" name="Footer Placeholder 3"/>
+          <p:cNvSpPr>
+            <a:spLocks noGrp="1"/>
+          </p:cNvSpPr>
+          <p:nvPr>
+            <p:ph type="ftr" sz="quarter" idx="10"/>
+          </p:nvPr>
+        </p:nvSpPr>
+        <p:spPr/>
+        <p:txBody>
+          <a:bodyPr/>
+          <a:lstStyle/>
+          <a:p>
+            <a:r>
+              <a:rPr lang="en-US" smtClean="0"/>
+              <a:t>Abundance</a:t>
+            </a:r>
+            <a:endParaRPr lang="en-US"/>
+          </a:p>
+        </p:txBody>
+      </p:sp>
+      <p:sp>
+        <p:nvSpPr>
+          <p:cNvPr id="5" name="Slide Number Placeholder 4"/>
+          <p:cNvSpPr>
+            <a:spLocks noGrp="1"/>
+          </p:cNvSpPr>
+          <p:nvPr>
+            <p:ph type="sldNum" sz="quarter" idx="11"/>
+          </p:nvPr>
+        </p:nvSpPr>
+        <p:spPr/>
+        <p:txBody>
+          <a:bodyPr/>
+          <a:lstStyle/>
+          <a:p>
+            <a:fld id="{8B8D0034-34A8-4F4F-AD0F-588093AE7929}" type="slidenum">
+              <a:rPr lang="en-US" smtClean="0"/>
+              <a:pPr/>
+              <a:t>10</a:t>
+            </a:fld>
+            <a:endParaRPr lang="en-US"/>
+          </a:p>
+        </p:txBody>
+      </p:sp>
+    </p:spTree>
+    <p:extLst>
+      <p:ext uri="{BB962C8B-B14F-4D97-AF65-F5344CB8AC3E}">
+        <p14:creationId xmlns:p14="http://schemas.microsoft.com/office/powerpoint/2010/main" val="1402670358"/>
       </p:ext>
     </p:extLst>
   </p:cSld>
@@ -5655,7 +5787,7 @@
           <a:p>
             <a:r>
               <a:rPr lang="en-US" dirty="0" smtClean="0"/>
-              <a:t>Leslie Model Assumptions</a:t>
+              <a:t>Class Exercise</a:t>
             </a:r>
             <a:endParaRPr lang="en-US" dirty="0"/>
           </a:p>
@@ -5663,12 +5795,12 @@
       </p:sp>
       <p:sp>
         <p:nvSpPr>
-          <p:cNvPr id="4" name="Footer Placeholder 3"/>
-          <p:cNvSpPr>
-            <a:spLocks noGrp="1"/>
-          </p:cNvSpPr>
-          <p:nvPr>
-            <p:ph type="ftr" sz="quarter" idx="10"/>
+          <p:cNvPr id="3" name="Content Placeholder 2"/>
+          <p:cNvSpPr>
+            <a:spLocks noGrp="1"/>
+          </p:cNvSpPr>
+          <p:nvPr>
+            <p:ph idx="1"/>
           </p:nvPr>
         </p:nvSpPr>
         <p:spPr/>
@@ -5677,21 +5809,21 @@
           <a:lstStyle/>
           <a:p>
             <a:r>
-              <a:rPr lang="en-US" smtClean="0"/>
-              <a:t>Abundance</a:t>
-            </a:r>
-            <a:endParaRPr lang="en-US"/>
-          </a:p>
-        </p:txBody>
-      </p:sp>
-      <p:sp>
-        <p:nvSpPr>
-          <p:cNvPr id="5" name="Slide Number Placeholder 4"/>
-          <p:cNvSpPr>
-            <a:spLocks noGrp="1"/>
-          </p:cNvSpPr>
-          <p:nvPr>
-            <p:ph type="sldNum" sz="quarter" idx="11"/>
+              <a:rPr lang="en-US" dirty="0" smtClean="0"/>
+              <a:t>Do First Question</a:t>
+            </a:r>
+            <a:endParaRPr lang="en-US" dirty="0"/>
+          </a:p>
+        </p:txBody>
+      </p:sp>
+      <p:sp>
+        <p:nvSpPr>
+          <p:cNvPr id="4" name="Footer Placeholder 3"/>
+          <p:cNvSpPr>
+            <a:spLocks noGrp="1"/>
+          </p:cNvSpPr>
+          <p:nvPr>
+            <p:ph type="ftr" sz="quarter" idx="10"/>
           </p:nvPr>
         </p:nvSpPr>
         <p:spPr/>
@@ -5699,10 +5831,140 @@
           <a:bodyPr/>
           <a:lstStyle/>
           <a:p>
-            <a:fld id="{1885BB51-0796-4632-BDB9-6CE403630838}" type="slidenum">
+            <a:r>
+              <a:rPr lang="en-US" smtClean="0"/>
+              <a:t>Abundance</a:t>
+            </a:r>
+            <a:endParaRPr lang="en-US"/>
+          </a:p>
+        </p:txBody>
+      </p:sp>
+      <p:sp>
+        <p:nvSpPr>
+          <p:cNvPr id="5" name="Slide Number Placeholder 4"/>
+          <p:cNvSpPr>
+            <a:spLocks noGrp="1"/>
+          </p:cNvSpPr>
+          <p:nvPr>
+            <p:ph type="sldNum" sz="quarter" idx="11"/>
+          </p:nvPr>
+        </p:nvSpPr>
+        <p:spPr/>
+        <p:txBody>
+          <a:bodyPr/>
+          <a:lstStyle/>
+          <a:p>
+            <a:fld id="{8B8D0034-34A8-4F4F-AD0F-588093AE7929}" type="slidenum">
               <a:rPr lang="en-US" smtClean="0"/>
               <a:pPr/>
               <a:t>7</a:t>
+            </a:fld>
+            <a:endParaRPr lang="en-US"/>
+          </a:p>
+        </p:txBody>
+      </p:sp>
+    </p:spTree>
+    <p:extLst>
+      <p:ext uri="{BB962C8B-B14F-4D97-AF65-F5344CB8AC3E}">
+        <p14:creationId xmlns:p14="http://schemas.microsoft.com/office/powerpoint/2010/main" val="1135905031"/>
+      </p:ext>
+    </p:extLst>
+  </p:cSld>
+  <p:clrMapOvr>
+    <a:masterClrMapping/>
+  </p:clrMapOvr>
+  <p:timing>
+    <p:tnLst>
+      <p:par>
+        <p:cTn id="1" dur="indefinite" restart="never" nodeType="tmRoot"/>
+      </p:par>
+    </p:tnLst>
+  </p:timing>
+</p:sld>
+</file>
+
+<file path=ppt/slides/slide8.xml><?xml version="1.0" encoding="utf-8"?>
+<p:sld xmlns:a="http://schemas.openxmlformats.org/drawingml/2006/main" xmlns:r="http://schemas.openxmlformats.org/officeDocument/2006/relationships" xmlns:p="http://schemas.openxmlformats.org/presentationml/2006/main">
+  <p:cSld>
+    <p:spTree>
+      <p:nvGrpSpPr>
+        <p:cNvPr id="1" name=""/>
+        <p:cNvGrpSpPr/>
+        <p:nvPr/>
+      </p:nvGrpSpPr>
+      <p:grpSpPr>
+        <a:xfrm>
+          <a:off x="0" y="0"/>
+          <a:ext cx="0" cy="0"/>
+          <a:chOff x="0" y="0"/>
+          <a:chExt cx="0" cy="0"/>
+        </a:xfrm>
+      </p:grpSpPr>
+      <p:sp>
+        <p:nvSpPr>
+          <p:cNvPr id="2" name="Title 1"/>
+          <p:cNvSpPr>
+            <a:spLocks noGrp="1"/>
+          </p:cNvSpPr>
+          <p:nvPr>
+            <p:ph type="title"/>
+          </p:nvPr>
+        </p:nvSpPr>
+        <p:spPr/>
+        <p:txBody>
+          <a:bodyPr/>
+          <a:lstStyle/>
+          <a:p>
+            <a:r>
+              <a:rPr lang="en-US" dirty="0" smtClean="0"/>
+              <a:t>Leslie Model Assumptions</a:t>
+            </a:r>
+            <a:endParaRPr lang="en-US" dirty="0"/>
+          </a:p>
+        </p:txBody>
+      </p:sp>
+      <p:sp>
+        <p:nvSpPr>
+          <p:cNvPr id="4" name="Footer Placeholder 3"/>
+          <p:cNvSpPr>
+            <a:spLocks noGrp="1"/>
+          </p:cNvSpPr>
+          <p:nvPr>
+            <p:ph type="ftr" sz="quarter" idx="10"/>
+          </p:nvPr>
+        </p:nvSpPr>
+        <p:spPr/>
+        <p:txBody>
+          <a:bodyPr/>
+          <a:lstStyle/>
+          <a:p>
+            <a:r>
+              <a:rPr lang="en-US" smtClean="0"/>
+              <a:t>Abundance</a:t>
+            </a:r>
+            <a:endParaRPr lang="en-US"/>
+          </a:p>
+        </p:txBody>
+      </p:sp>
+      <p:sp>
+        <p:nvSpPr>
+          <p:cNvPr id="5" name="Slide Number Placeholder 4"/>
+          <p:cNvSpPr>
+            <a:spLocks noGrp="1"/>
+          </p:cNvSpPr>
+          <p:nvPr>
+            <p:ph type="sldNum" sz="quarter" idx="11"/>
+          </p:nvPr>
+        </p:nvSpPr>
+        <p:spPr/>
+        <p:txBody>
+          <a:bodyPr/>
+          <a:lstStyle/>
+          <a:p>
+            <a:fld id="{1885BB51-0796-4632-BDB9-6CE403630838}" type="slidenum">
+              <a:rPr lang="en-US" smtClean="0"/>
+              <a:pPr/>
+              <a:t>8</a:t>
             </a:fld>
             <a:endParaRPr lang="en-US"/>
           </a:p>
@@ -6067,7 +6329,7 @@
 </p:sld>
 </file>
 
-<file path=ppt/slides/slide8.xml><?xml version="1.0" encoding="utf-8"?>
+<file path=ppt/slides/slide9.xml><?xml version="1.0" encoding="utf-8"?>
 <p:sld xmlns:a="http://schemas.openxmlformats.org/drawingml/2006/main" xmlns:r="http://schemas.openxmlformats.org/officeDocument/2006/relationships" xmlns:p="http://schemas.openxmlformats.org/presentationml/2006/main">
   <p:cSld>
     <p:spTree>
@@ -6240,7 +6502,7 @@
             <a:fld id="{1885BB51-0796-4632-BDB9-6CE403630838}" type="slidenum">
               <a:rPr lang="en-US" smtClean="0"/>
               <a:pPr/>
-              <a:t>8</a:t>
+              <a:t>9</a:t>
             </a:fld>
             <a:endParaRPr lang="en-US"/>
           </a:p>
